--- a/学校TenSeed.pptx
+++ b/学校TenSeed.pptx
@@ -6432,7 +6432,31 @@
             <a:pPr lvl="3"/>
             <a:r>
               <a:rPr lang="en-US" sz="1800" dirty="0"/>
-              <a:t>Most of the teacher’s problems are checking the students' exams manually. It takes a lot of time. by creating an application that can check the student’s exam automatically. Teachers can now devote more time to lesson preparation and other work-related activities...</a:t>
+              <a:t>Most of the teacher’s problems are checking the students' exams manually. It takes a lot of time. </a:t>
+            </a:r>
+            <a:r>
+              <a:rPr lang="en-US" sz="1800" dirty="0" smtClean="0"/>
+              <a:t>By </a:t>
+            </a:r>
+            <a:r>
+              <a:rPr lang="en-US" sz="1800" dirty="0"/>
+              <a:t>creating an application that can check the student’s exam </a:t>
+            </a:r>
+            <a:r>
+              <a:rPr lang="en-US" sz="1800" dirty="0" smtClean="0"/>
+              <a:t>automatically, </a:t>
+            </a:r>
+            <a:r>
+              <a:rPr lang="en-US" sz="1800" dirty="0"/>
+              <a:t>t</a:t>
+            </a:r>
+            <a:r>
+              <a:rPr lang="en-US" sz="1800" dirty="0" smtClean="0"/>
+              <a:t>eachers </a:t>
+            </a:r>
+            <a:r>
+              <a:rPr lang="en-US" sz="1800" dirty="0"/>
+              <a:t>can now devote more time to lesson preparation and other work-related activities...</a:t>
             </a:r>
           </a:p>
           <a:p>
@@ -6628,7 +6652,15 @@
             <a:pPr lvl="3"/>
             <a:r>
               <a:rPr lang="en-US" dirty="0"/>
-              <a:t>Student’s performance remarks are really important because our teachers can give us an honest suggestions, opinions and feedbacks in order to become a better person, learner, engineer.</a:t>
+              <a:t>Student’s performance remarks are really important because our teachers can give us an honest suggestions, opinions and feedbacks in order to become a better person, learner, </a:t>
+            </a:r>
+            <a:r>
+              <a:rPr lang="en-US" dirty="0" smtClean="0"/>
+              <a:t>student and engineer</a:t>
+            </a:r>
+            <a:r>
+              <a:rPr lang="en-US" dirty="0"/>
+              <a:t>.</a:t>
             </a:r>
           </a:p>
           <a:p>
@@ -6660,7 +6692,19 @@
             <a:pPr lvl="3"/>
             <a:r>
               <a:rPr lang="en-US" dirty="0"/>
-              <a:t>The teacher's evaluation is important for the admin or business owners to know if their students are having a great time on their learning journey. It can also help the admin solve some problems that might occur.</a:t>
+              <a:t>The teacher's evaluation is important for the admin or business owners to know if their students are having a great </a:t>
+            </a:r>
+            <a:r>
+              <a:rPr lang="en-US" dirty="0" smtClean="0"/>
+              <a:t>or hard </a:t>
+            </a:r>
+            <a:r>
+              <a:rPr lang="en-US" dirty="0" smtClean="0"/>
+              <a:t>time </a:t>
+            </a:r>
+            <a:r>
+              <a:rPr lang="en-US" dirty="0"/>
+              <a:t>on their learning journey. It can also help the admin solve some problems that might occur.</a:t>
             </a:r>
           </a:p>
           <a:p>
@@ -6882,7 +6926,15 @@
             </a:r>
             <a:r>
               <a:rPr lang="en-US" dirty="0" smtClean="0"/>
-              <a:t>All engineers could help someone.</a:t>
+              <a:t>All engineers </a:t>
+            </a:r>
+            <a:r>
+              <a:rPr lang="en-US" dirty="0" smtClean="0"/>
+              <a:t>can </a:t>
+            </a:r>
+            <a:r>
+              <a:rPr lang="en-US" dirty="0" smtClean="0"/>
+              <a:t>help someone.</a:t>
             </a:r>
           </a:p>
           <a:p>
@@ -7745,7 +7797,15 @@
             </a:r>
             <a:r>
               <a:rPr lang="en-US" sz="1800" dirty="0"/>
-              <a:t>" online is limited, unlike the modern frameworks</a:t>
+              <a:t>" </a:t>
+            </a:r>
+            <a:r>
+              <a:rPr lang="en-US" sz="1800" dirty="0" smtClean="0"/>
+              <a:t>on the internet is </a:t>
+            </a:r>
+            <a:r>
+              <a:rPr lang="en-US" sz="1800" dirty="0"/>
+              <a:t>limited, unlike the modern frameworks</a:t>
             </a:r>
             <a:r>
               <a:rPr lang="en-US" sz="1800" dirty="0" smtClean="0"/>
@@ -7761,7 +7821,11 @@
           <a:p>
             <a:r>
               <a:rPr lang="en-US" altLang="ja-JP" sz="1900" dirty="0" smtClean="0"/>
-              <a:t>Solution:</a:t>
+              <a:t>Possible Solution</a:t>
+            </a:r>
+            <a:r>
+              <a:rPr lang="en-US" altLang="ja-JP" sz="1900" dirty="0" smtClean="0"/>
+              <a:t>:</a:t>
             </a:r>
             <a:endParaRPr lang="ja-JP" altLang="en-US" sz="1900" dirty="0"/>
           </a:p>
@@ -7860,8 +7924,8 @@
         </p:nvSpPr>
         <p:spPr>
           <a:xfrm>
-            <a:off x="3719945" y="2364954"/>
-            <a:ext cx="5062451" cy="1729077"/>
+            <a:off x="2261062" y="2539521"/>
+            <a:ext cx="7431578" cy="1729077"/>
           </a:xfrm>
         </p:spPr>
         <p:txBody>
@@ -7873,7 +7937,7 @@
             <a:pPr algn="r"/>
             <a:r>
               <a:rPr lang="en-US" altLang="ja-JP" sz="5400" dirty="0" smtClean="0"/>
-              <a:t>Thank </a:t>
+              <a:t>ARIGA Thank </a:t>
             </a:r>
             <a:r>
               <a:rPr lang="en-US" altLang="ja-JP" sz="5400" dirty="0" smtClean="0"/>
@@ -8118,7 +8182,11 @@
             </a:r>
             <a:r>
               <a:rPr lang="en-US" dirty="0" smtClean="0"/>
-              <a:t>which means ‘School</a:t>
+              <a:t>which means ‘</a:t>
+            </a:r>
+            <a:r>
+              <a:rPr lang="en-US" b="1" dirty="0" smtClean="0"/>
+              <a:t>School</a:t>
             </a:r>
             <a:r>
               <a:rPr lang="en-US" dirty="0"/>
@@ -8157,7 +8225,15 @@
             </a:r>
             <a:r>
               <a:rPr lang="en-US" dirty="0" smtClean="0"/>
-              <a:t>to the word “Rakuten”.</a:t>
+              <a:t>to the word “</a:t>
+            </a:r>
+            <a:r>
+              <a:rPr lang="en-US" b="1" dirty="0" smtClean="0"/>
+              <a:t>Rakuten</a:t>
+            </a:r>
+            <a:r>
+              <a:rPr lang="en-US" dirty="0" smtClean="0"/>
+              <a:t>”.</a:t>
             </a:r>
           </a:p>
           <a:p>
@@ -8188,7 +8264,7 @@
             </a:r>
             <a:r>
               <a:rPr lang="en-US" b="1" dirty="0" smtClean="0"/>
-              <a:t>TechSeed”</a:t>
+              <a:t>SeedTech”</a:t>
             </a:r>
             <a:r>
               <a:rPr lang="en-US" dirty="0" smtClean="0"/>
@@ -8311,7 +8387,6 @@
               <a:rPr lang="en-US" dirty="0" smtClean="0"/>
               <a:t> </a:t>
             </a:r>
-            <a:endParaRPr lang="en-US" dirty="0" smtClean="0"/>
           </a:p>
           <a:p>
             <a:pPr marL="0" indent="0">
@@ -8324,8 +8399,12 @@
               <a:buNone/>
             </a:pPr>
             <a:r>
-              <a:rPr lang="en-US" dirty="0"/>
-              <a:t>A </a:t>
+              <a:rPr lang="en-US" dirty="0" smtClean="0"/>
+              <a:t>The</a:t>
+            </a:r>
+            <a:r>
+              <a:rPr lang="en-US" dirty="0" smtClean="0"/>
+              <a:t> </a:t>
             </a:r>
             <a:r>
               <a:rPr lang="en-US" b="1" dirty="0"/>
@@ -8344,16 +8423,24 @@
               <a:t> and </a:t>
             </a:r>
             <a:r>
+              <a:rPr lang="en-US" b="1" dirty="0" smtClean="0"/>
+              <a:t>SeedTech</a:t>
+            </a:r>
+            <a:r>
+              <a:rPr lang="en-US" dirty="0" smtClean="0"/>
+              <a:t> </a:t>
+            </a:r>
+            <a:r>
+              <a:rPr lang="en-US" dirty="0"/>
+              <a:t>nurture the </a:t>
+            </a:r>
+            <a:r>
+              <a:rPr lang="en-US" b="1" dirty="0" smtClean="0"/>
+              <a:t>10 </a:t>
+            </a:r>
+            <a:r>
               <a:rPr lang="en-US" b="1" dirty="0"/>
-              <a:t>TechSeed</a:t>
-            </a:r>
-            <a:r>
-              <a:rPr lang="en-US" dirty="0"/>
-              <a:t> nurture the </a:t>
-            </a:r>
-            <a:r>
-              <a:rPr lang="en-US" b="1" dirty="0"/>
-              <a:t>Ten Seeds(Batch 2)</a:t>
+              <a:t>Seeds(Batch 2)</a:t>
             </a:r>
             <a:r>
               <a:rPr lang="en-US" dirty="0"/>
@@ -8540,15 +8627,7 @@
             </a:r>
             <a:r>
               <a:rPr lang="en-US" dirty="0" smtClean="0"/>
-              <a:t>One web-application that </a:t>
-            </a:r>
-            <a:r>
-              <a:rPr lang="en-US" dirty="0" smtClean="0"/>
-              <a:t>can </a:t>
-            </a:r>
-            <a:r>
-              <a:rPr lang="en-US" dirty="0" smtClean="0"/>
-              <a:t>help all.</a:t>
+              <a:t>One web-application that can help all.</a:t>
             </a:r>
           </a:p>
           <a:p>
@@ -8773,17 +8852,7 @@
                   </a:schemeClr>
                 </a:solidFill>
               </a:rPr>
-              <a:t>Filipino </a:t>
-            </a:r>
-            <a:r>
-              <a:rPr lang="en-US" dirty="0" smtClean="0">
-                <a:solidFill>
-                  <a:schemeClr val="accent2">
-                    <a:lumMod val="75000"/>
-                  </a:schemeClr>
-                </a:solidFill>
-              </a:rPr>
-              <a:t>X Japanese Culture Exchange.</a:t>
+              <a:t>Filipino X Japanese Culture Exchange.</a:t>
             </a:r>
           </a:p>
           <a:p>
@@ -9297,7 +9366,6 @@
               <a:rPr lang="en-US" sz="1800" dirty="0" smtClean="0"/>
               <a:t>Vocabularies ( Japanese / English )</a:t>
             </a:r>
-            <a:endParaRPr lang="en-US" sz="1800" dirty="0" smtClean="0"/>
           </a:p>
           <a:p>
             <a:pPr lvl="4"/>
@@ -10396,14 +10464,6 @@
 </file>
 
 <file path=customXml/item2.xml><?xml version="1.0" encoding="utf-8"?>
-<p:properties xmlns:p="http://schemas.microsoft.com/office/2006/metadata/properties" xmlns:xsi="http://www.w3.org/2001/XMLSchema-instance" xmlns:pc="http://schemas.microsoft.com/office/infopath/2007/PartnerControls">
-  <documentManagement>
-    <MediaServiceKeyPoints xmlns="71af3243-3dd4-4a8d-8c0d-dd76da1f02a5" xsi:nil="true"/>
-  </documentManagement>
-</p:properties>
-</file>
-
-<file path=customXml/item3.xml><?xml version="1.0" encoding="utf-8"?>
 <ct:contentTypeSchema xmlns:ct="http://schemas.microsoft.com/office/2006/metadata/contentType" xmlns:ma="http://schemas.microsoft.com/office/2006/metadata/properties/metaAttributes" ct:_="" ma:_="" ma:contentTypeName="Document" ma:contentTypeID="0x01010079F111ED35F8CC479449609E8A0923A6" ma:contentTypeVersion="11" ma:contentTypeDescription="Create a new document." ma:contentTypeScope="" ma:versionID="9677210f24a1be23c92c90fd886aa0aa">
   <xsd:schema xmlns:xsd="http://www.w3.org/2001/XMLSchema" xmlns:xs="http://www.w3.org/2001/XMLSchema" xmlns:p="http://schemas.microsoft.com/office/2006/metadata/properties" xmlns:ns2="71af3243-3dd4-4a8d-8c0d-dd76da1f02a5" xmlns:ns3="16c05727-aa75-4e4a-9b5f-8a80a1165891" targetNamespace="http://schemas.microsoft.com/office/2006/metadata/properties" ma:root="true" ma:fieldsID="60e05723c5c1908df1a1a4ebf11d344e" ns2:_="" ns3:_="">
     <xsd:import namespace="71af3243-3dd4-4a8d-8c0d-dd76da1f02a5"/>
@@ -10614,6 +10674,14 @@
 </ct:contentTypeSchema>
 </file>
 
+<file path=customXml/item3.xml><?xml version="1.0" encoding="utf-8"?>
+<p:properties xmlns:p="http://schemas.microsoft.com/office/2006/metadata/properties" xmlns:xsi="http://www.w3.org/2001/XMLSchema-instance" xmlns:pc="http://schemas.microsoft.com/office/infopath/2007/PartnerControls">
+  <documentManagement>
+    <MediaServiceKeyPoints xmlns="71af3243-3dd4-4a8d-8c0d-dd76da1f02a5" xsi:nil="true"/>
+  </documentManagement>
+</p:properties>
+</file>
+
 <file path=customXml/itemProps1.xml><?xml version="1.0" encoding="utf-8"?>
 <ds:datastoreItem xmlns:ds="http://schemas.openxmlformats.org/officeDocument/2006/customXml" ds:itemID="{10BEB954-4024-4CCF-A9D6-4C00FDC028D9}">
   <ds:schemaRefs>
@@ -10623,23 +10691,6 @@
 </file>
 
 <file path=customXml/itemProps2.xml><?xml version="1.0" encoding="utf-8"?>
-<ds:datastoreItem xmlns:ds="http://schemas.openxmlformats.org/officeDocument/2006/customXml" ds:itemID="{4710EE66-8707-456F-8F2E-091D581CB030}">
-  <ds:schemaRefs>
-    <ds:schemaRef ds:uri="http://purl.org/dc/terms/"/>
-    <ds:schemaRef ds:uri="http://schemas.openxmlformats.org/package/2006/metadata/core-properties"/>
-    <ds:schemaRef ds:uri="16c05727-aa75-4e4a-9b5f-8a80a1165891"/>
-    <ds:schemaRef ds:uri="http://purl.org/dc/dcmitype/"/>
-    <ds:schemaRef ds:uri="http://schemas.microsoft.com/office/infopath/2007/PartnerControls"/>
-    <ds:schemaRef ds:uri="http://purl.org/dc/elements/1.1/"/>
-    <ds:schemaRef ds:uri="http://schemas.microsoft.com/office/2006/metadata/properties"/>
-    <ds:schemaRef ds:uri="http://schemas.microsoft.com/office/2006/documentManagement/types"/>
-    <ds:schemaRef ds:uri="71af3243-3dd4-4a8d-8c0d-dd76da1f02a5"/>
-    <ds:schemaRef ds:uri="http://www.w3.org/XML/1998/namespace"/>
-  </ds:schemaRefs>
-</ds:datastoreItem>
-</file>
-
-<file path=customXml/itemProps3.xml><?xml version="1.0" encoding="utf-8"?>
 <ds:datastoreItem xmlns:ds="http://schemas.openxmlformats.org/officeDocument/2006/customXml" ds:itemID="{AB96CC85-5758-41C0-8EFD-737AFB69121D}">
   <ds:schemaRefs>
     <ds:schemaRef ds:uri="http://schemas.microsoft.com/office/2006/metadata/contentType"/>
@@ -10656,4 +10707,21 @@
     <ds:schemaRef ds:uri="http://schemas.microsoft.com/internal/obd"/>
   </ds:schemaRefs>
 </ds:datastoreItem>
+</file>
+
+<file path=customXml/itemProps3.xml><?xml version="1.0" encoding="utf-8"?>
+<ds:datastoreItem xmlns:ds="http://schemas.openxmlformats.org/officeDocument/2006/customXml" ds:itemID="{4710EE66-8707-456F-8F2E-091D581CB030}">
+  <ds:schemaRefs>
+    <ds:schemaRef ds:uri="http://purl.org/dc/terms/"/>
+    <ds:schemaRef ds:uri="http://schemas.openxmlformats.org/package/2006/metadata/core-properties"/>
+    <ds:schemaRef ds:uri="16c05727-aa75-4e4a-9b5f-8a80a1165891"/>
+    <ds:schemaRef ds:uri="http://purl.org/dc/dcmitype/"/>
+    <ds:schemaRef ds:uri="http://schemas.microsoft.com/office/infopath/2007/PartnerControls"/>
+    <ds:schemaRef ds:uri="http://purl.org/dc/elements/1.1/"/>
+    <ds:schemaRef ds:uri="http://schemas.microsoft.com/office/2006/metadata/properties"/>
+    <ds:schemaRef ds:uri="http://schemas.microsoft.com/office/2006/documentManagement/types"/>
+    <ds:schemaRef ds:uri="71af3243-3dd4-4a8d-8c0d-dd76da1f02a5"/>
+    <ds:schemaRef ds:uri="http://www.w3.org/XML/1998/namespace"/>
+  </ds:schemaRefs>
+</ds:datastoreItem>
 </file>